--- a/en/assets/PPTs/pics.pptx
+++ b/en/assets/PPTs/pics.pptx
@@ -6,7 +6,9 @@
   </p:sldMasterIdLst>
   <p:sldIdLst>
     <p:sldId id="256" r:id="rId2"/>
-    <p:sldId id="257" r:id="rId3"/>
+    <p:sldId id="258" r:id="rId3"/>
+    <p:sldId id="257" r:id="rId4"/>
+    <p:sldId id="259" r:id="rId5"/>
   </p:sldIdLst>
   <p:sldSz cx="12192000" cy="6858000"/>
   <p:notesSz cx="6858000" cy="9144000"/>
@@ -260,7 +262,7 @@
           <a:p>
             <a:fld id="{1CB342D7-4B05-426A-8E32-316B3FFA556C}" type="datetimeFigureOut">
               <a:rPr lang="zh-CN" altLang="en-US" smtClean="0"/>
-              <a:t>2023/5/16</a:t>
+              <a:t>2023/7/20</a:t>
             </a:fld>
             <a:endParaRPr lang="zh-CN" altLang="en-US"/>
           </a:p>
@@ -458,7 +460,7 @@
           <a:p>
             <a:fld id="{1CB342D7-4B05-426A-8E32-316B3FFA556C}" type="datetimeFigureOut">
               <a:rPr lang="zh-CN" altLang="en-US" smtClean="0"/>
-              <a:t>2023/5/16</a:t>
+              <a:t>2023/7/20</a:t>
             </a:fld>
             <a:endParaRPr lang="zh-CN" altLang="en-US"/>
           </a:p>
@@ -666,7 +668,7 @@
           <a:p>
             <a:fld id="{1CB342D7-4B05-426A-8E32-316B3FFA556C}" type="datetimeFigureOut">
               <a:rPr lang="zh-CN" altLang="en-US" smtClean="0"/>
-              <a:t>2023/5/16</a:t>
+              <a:t>2023/7/20</a:t>
             </a:fld>
             <a:endParaRPr lang="zh-CN" altLang="en-US"/>
           </a:p>
@@ -864,7 +866,7 @@
           <a:p>
             <a:fld id="{1CB342D7-4B05-426A-8E32-316B3FFA556C}" type="datetimeFigureOut">
               <a:rPr lang="zh-CN" altLang="en-US" smtClean="0"/>
-              <a:t>2023/5/16</a:t>
+              <a:t>2023/7/20</a:t>
             </a:fld>
             <a:endParaRPr lang="zh-CN" altLang="en-US"/>
           </a:p>
@@ -1139,7 +1141,7 @@
           <a:p>
             <a:fld id="{1CB342D7-4B05-426A-8E32-316B3FFA556C}" type="datetimeFigureOut">
               <a:rPr lang="zh-CN" altLang="en-US" smtClean="0"/>
-              <a:t>2023/5/16</a:t>
+              <a:t>2023/7/20</a:t>
             </a:fld>
             <a:endParaRPr lang="zh-CN" altLang="en-US"/>
           </a:p>
@@ -1404,7 +1406,7 @@
           <a:p>
             <a:fld id="{1CB342D7-4B05-426A-8E32-316B3FFA556C}" type="datetimeFigureOut">
               <a:rPr lang="zh-CN" altLang="en-US" smtClean="0"/>
-              <a:t>2023/5/16</a:t>
+              <a:t>2023/7/20</a:t>
             </a:fld>
             <a:endParaRPr lang="zh-CN" altLang="en-US"/>
           </a:p>
@@ -1816,7 +1818,7 @@
           <a:p>
             <a:fld id="{1CB342D7-4B05-426A-8E32-316B3FFA556C}" type="datetimeFigureOut">
               <a:rPr lang="zh-CN" altLang="en-US" smtClean="0"/>
-              <a:t>2023/5/16</a:t>
+              <a:t>2023/7/20</a:t>
             </a:fld>
             <a:endParaRPr lang="zh-CN" altLang="en-US"/>
           </a:p>
@@ -1957,7 +1959,7 @@
           <a:p>
             <a:fld id="{1CB342D7-4B05-426A-8E32-316B3FFA556C}" type="datetimeFigureOut">
               <a:rPr lang="zh-CN" altLang="en-US" smtClean="0"/>
-              <a:t>2023/5/16</a:t>
+              <a:t>2023/7/20</a:t>
             </a:fld>
             <a:endParaRPr lang="zh-CN" altLang="en-US"/>
           </a:p>
@@ -2070,7 +2072,7 @@
           <a:p>
             <a:fld id="{1CB342D7-4B05-426A-8E32-316B3FFA556C}" type="datetimeFigureOut">
               <a:rPr lang="zh-CN" altLang="en-US" smtClean="0"/>
-              <a:t>2023/5/16</a:t>
+              <a:t>2023/7/20</a:t>
             </a:fld>
             <a:endParaRPr lang="zh-CN" altLang="en-US"/>
           </a:p>
@@ -2381,7 +2383,7 @@
           <a:p>
             <a:fld id="{1CB342D7-4B05-426A-8E32-316B3FFA556C}" type="datetimeFigureOut">
               <a:rPr lang="zh-CN" altLang="en-US" smtClean="0"/>
-              <a:t>2023/5/16</a:t>
+              <a:t>2023/7/20</a:t>
             </a:fld>
             <a:endParaRPr lang="zh-CN" altLang="en-US"/>
           </a:p>
@@ -2669,7 +2671,7 @@
           <a:p>
             <a:fld id="{1CB342D7-4B05-426A-8E32-316B3FFA556C}" type="datetimeFigureOut">
               <a:rPr lang="zh-CN" altLang="en-US" smtClean="0"/>
-              <a:t>2023/5/16</a:t>
+              <a:t>2023/7/20</a:t>
             </a:fld>
             <a:endParaRPr lang="zh-CN" altLang="en-US"/>
           </a:p>
@@ -2910,7 +2912,7 @@
           <a:p>
             <a:fld id="{1CB342D7-4B05-426A-8E32-316B3FFA556C}" type="datetimeFigureOut">
               <a:rPr lang="zh-CN" altLang="en-US" smtClean="0"/>
-              <a:t>2023/5/16</a:t>
+              <a:t>2023/7/20</a:t>
             </a:fld>
             <a:endParaRPr lang="zh-CN" altLang="en-US"/>
           </a:p>
@@ -3896,6 +3898,580 @@
 <file path=ppt/slides/slide2.xml><?xml version="1.0" encoding="utf-8"?>
 <p:sld xmlns:a="http://schemas.openxmlformats.org/drawingml/2006/main" xmlns:r="http://schemas.openxmlformats.org/officeDocument/2006/relationships" xmlns:p="http://schemas.openxmlformats.org/presentationml/2006/main">
   <p:cSld>
+    <p:spTree>
+      <p:nvGrpSpPr>
+        <p:cNvPr id="1" name=""/>
+        <p:cNvGrpSpPr/>
+        <p:nvPr/>
+      </p:nvGrpSpPr>
+      <p:grpSpPr>
+        <a:xfrm>
+          <a:off x="0" y="0"/>
+          <a:ext cx="0" cy="0"/>
+          <a:chOff x="0" y="0"/>
+          <a:chExt cx="0" cy="0"/>
+        </a:xfrm>
+      </p:grpSpPr>
+      <p:pic>
+        <p:nvPicPr>
+          <p:cNvPr id="3" name="图片 2">
+            <a:extLst>
+              <a:ext uri="{FF2B5EF4-FFF2-40B4-BE49-F238E27FC236}">
+                <a16:creationId xmlns:a16="http://schemas.microsoft.com/office/drawing/2014/main" id="{72D8497C-C23C-3502-C9AA-70FDEE50E05C}"/>
+              </a:ext>
+            </a:extLst>
+          </p:cNvPr>
+          <p:cNvPicPr>
+            <a:picLocks noChangeAspect="1"/>
+          </p:cNvPicPr>
+          <p:nvPr/>
+        </p:nvPicPr>
+        <p:blipFill>
+          <a:blip r:embed="rId2"/>
+          <a:stretch>
+            <a:fillRect/>
+          </a:stretch>
+        </p:blipFill>
+        <p:spPr>
+          <a:xfrm>
+            <a:off x="643468" y="959944"/>
+            <a:ext cx="10903198" cy="4941027"/>
+          </a:xfrm>
+          <a:prstGeom prst="rect">
+            <a:avLst/>
+          </a:prstGeom>
+        </p:spPr>
+      </p:pic>
+      <p:sp>
+        <p:nvSpPr>
+          <p:cNvPr id="8" name="对话气泡: 矩形 7">
+            <a:extLst>
+              <a:ext uri="{FF2B5EF4-FFF2-40B4-BE49-F238E27FC236}">
+                <a16:creationId xmlns:a16="http://schemas.microsoft.com/office/drawing/2014/main" id="{54939280-4181-48E9-B624-955631F84D13}"/>
+              </a:ext>
+            </a:extLst>
+          </p:cNvPr>
+          <p:cNvSpPr/>
+          <p:nvPr/>
+        </p:nvSpPr>
+        <p:spPr>
+          <a:xfrm>
+            <a:off x="4079631" y="1221332"/>
+            <a:ext cx="4591183" cy="4610366"/>
+          </a:xfrm>
+          <a:prstGeom prst="wedgeRectCallout">
+            <a:avLst>
+              <a:gd name="adj1" fmla="val -639"/>
+              <a:gd name="adj2" fmla="val -59909"/>
+            </a:avLst>
+          </a:prstGeom>
+          <a:noFill/>
+          <a:ln w="19050">
+            <a:solidFill>
+              <a:schemeClr val="accent1"/>
+            </a:solidFill>
+          </a:ln>
+        </p:spPr>
+        <p:style>
+          <a:lnRef idx="2">
+            <a:schemeClr val="accent1">
+              <a:shade val="50000"/>
+            </a:schemeClr>
+          </a:lnRef>
+          <a:fillRef idx="1">
+            <a:schemeClr val="accent1"/>
+          </a:fillRef>
+          <a:effectRef idx="0">
+            <a:schemeClr val="accent1"/>
+          </a:effectRef>
+          <a:fontRef idx="minor">
+            <a:schemeClr val="lt1"/>
+          </a:fontRef>
+        </p:style>
+        <p:txBody>
+          <a:bodyPr rtlCol="0" anchor="ctr"/>
+          <a:lstStyle/>
+          <a:p>
+            <a:pPr algn="ctr"/>
+            <a:endParaRPr lang="zh-CN" altLang="en-US"/>
+          </a:p>
+        </p:txBody>
+      </p:sp>
+      <p:sp>
+        <p:nvSpPr>
+          <p:cNvPr id="9" name="文本框 8">
+            <a:extLst>
+              <a:ext uri="{FF2B5EF4-FFF2-40B4-BE49-F238E27FC236}">
+                <a16:creationId xmlns:a16="http://schemas.microsoft.com/office/drawing/2014/main" id="{5ACC0574-107E-FC5D-DCE3-5F04A1DC8C97}"/>
+              </a:ext>
+            </a:extLst>
+          </p:cNvPr>
+          <p:cNvSpPr txBox="1"/>
+          <p:nvPr/>
+        </p:nvSpPr>
+        <p:spPr>
+          <a:xfrm>
+            <a:off x="6330464" y="461382"/>
+            <a:ext cx="2429872" cy="369332"/>
+          </a:xfrm>
+          <a:prstGeom prst="rect">
+            <a:avLst/>
+          </a:prstGeom>
+          <a:noFill/>
+        </p:spPr>
+        <p:txBody>
+          <a:bodyPr wrap="square" rtlCol="0">
+            <a:spAutoFit/>
+          </a:bodyPr>
+          <a:lstStyle/>
+          <a:p>
+            <a:r>
+              <a:rPr lang="en-US" altLang="zh-CN" dirty="0">
+                <a:latin typeface="微软雅黑" panose="020B0503020204020204" pitchFamily="34" charset="-122"/>
+                <a:ea typeface="微软雅黑" panose="020B0503020204020204" pitchFamily="34" charset="-122"/>
+              </a:rPr>
+              <a:t>B: Ego tracking view</a:t>
+            </a:r>
+            <a:endParaRPr lang="zh-CN" altLang="en-US" dirty="0">
+              <a:latin typeface="微软雅黑" panose="020B0503020204020204" pitchFamily="34" charset="-122"/>
+              <a:ea typeface="微软雅黑" panose="020B0503020204020204" pitchFamily="34" charset="-122"/>
+            </a:endParaRPr>
+          </a:p>
+        </p:txBody>
+      </p:sp>
+      <p:sp>
+        <p:nvSpPr>
+          <p:cNvPr id="10" name="对话气泡: 矩形 9">
+            <a:extLst>
+              <a:ext uri="{FF2B5EF4-FFF2-40B4-BE49-F238E27FC236}">
+                <a16:creationId xmlns:a16="http://schemas.microsoft.com/office/drawing/2014/main" id="{48716BCD-7E49-01C5-219D-35815C3E60DD}"/>
+              </a:ext>
+            </a:extLst>
+          </p:cNvPr>
+          <p:cNvSpPr/>
+          <p:nvPr/>
+        </p:nvSpPr>
+        <p:spPr>
+          <a:xfrm>
+            <a:off x="709779" y="1221332"/>
+            <a:ext cx="3280330" cy="3299513"/>
+          </a:xfrm>
+          <a:prstGeom prst="wedgeRectCallout">
+            <a:avLst>
+              <a:gd name="adj1" fmla="val 2169"/>
+              <a:gd name="adj2" fmla="val -62591"/>
+            </a:avLst>
+          </a:prstGeom>
+          <a:noFill/>
+          <a:ln w="19050">
+            <a:solidFill>
+              <a:schemeClr val="accent6"/>
+            </a:solidFill>
+          </a:ln>
+        </p:spPr>
+        <p:style>
+          <a:lnRef idx="2">
+            <a:schemeClr val="accent1">
+              <a:shade val="50000"/>
+            </a:schemeClr>
+          </a:lnRef>
+          <a:fillRef idx="1">
+            <a:schemeClr val="accent1"/>
+          </a:fillRef>
+          <a:effectRef idx="0">
+            <a:schemeClr val="accent1"/>
+          </a:effectRef>
+          <a:fontRef idx="minor">
+            <a:schemeClr val="lt1"/>
+          </a:fontRef>
+        </p:style>
+        <p:txBody>
+          <a:bodyPr rtlCol="0" anchor="ctr"/>
+          <a:lstStyle/>
+          <a:p>
+            <a:pPr algn="ctr"/>
+            <a:endParaRPr lang="zh-CN" altLang="en-US"/>
+          </a:p>
+        </p:txBody>
+      </p:sp>
+      <p:sp>
+        <p:nvSpPr>
+          <p:cNvPr id="11" name="文本框 10">
+            <a:extLst>
+              <a:ext uri="{FF2B5EF4-FFF2-40B4-BE49-F238E27FC236}">
+                <a16:creationId xmlns:a16="http://schemas.microsoft.com/office/drawing/2014/main" id="{81774748-A052-388B-47AB-340916138FFD}"/>
+              </a:ext>
+            </a:extLst>
+          </p:cNvPr>
+          <p:cNvSpPr txBox="1"/>
+          <p:nvPr/>
+        </p:nvSpPr>
+        <p:spPr>
+          <a:xfrm>
+            <a:off x="643466" y="461382"/>
+            <a:ext cx="2459187" cy="369332"/>
+          </a:xfrm>
+          <a:prstGeom prst="rect">
+            <a:avLst/>
+          </a:prstGeom>
+          <a:noFill/>
+        </p:spPr>
+        <p:txBody>
+          <a:bodyPr wrap="square" rtlCol="0">
+            <a:spAutoFit/>
+          </a:bodyPr>
+          <a:lstStyle/>
+          <a:p>
+            <a:r>
+              <a:rPr lang="en-US" altLang="zh-CN" dirty="0">
+                <a:latin typeface="微软雅黑" panose="020B0503020204020204" pitchFamily="34" charset="-122"/>
+                <a:ea typeface="微软雅黑" panose="020B0503020204020204" pitchFamily="34" charset="-122"/>
+              </a:rPr>
+              <a:t>A:</a:t>
+            </a:r>
+            <a:r>
+              <a:rPr lang="zh-CN" altLang="en-US" dirty="0">
+                <a:latin typeface="微软雅黑" panose="020B0503020204020204" pitchFamily="34" charset="-122"/>
+                <a:ea typeface="微软雅黑" panose="020B0503020204020204" pitchFamily="34" charset="-122"/>
+              </a:rPr>
+              <a:t> </a:t>
+            </a:r>
+            <a:r>
+              <a:rPr lang="en-US" altLang="zh-CN" dirty="0">
+                <a:latin typeface="微软雅黑" panose="020B0503020204020204" pitchFamily="34" charset="-122"/>
+                <a:ea typeface="微软雅黑" panose="020B0503020204020204" pitchFamily="34" charset="-122"/>
+              </a:rPr>
+              <a:t>Full network view</a:t>
+            </a:r>
+            <a:endParaRPr lang="zh-CN" altLang="en-US" dirty="0">
+              <a:latin typeface="微软雅黑" panose="020B0503020204020204" pitchFamily="34" charset="-122"/>
+              <a:ea typeface="微软雅黑" panose="020B0503020204020204" pitchFamily="34" charset="-122"/>
+            </a:endParaRPr>
+          </a:p>
+        </p:txBody>
+      </p:sp>
+      <p:sp>
+        <p:nvSpPr>
+          <p:cNvPr id="12" name="对话气泡: 矩形 11">
+            <a:extLst>
+              <a:ext uri="{FF2B5EF4-FFF2-40B4-BE49-F238E27FC236}">
+                <a16:creationId xmlns:a16="http://schemas.microsoft.com/office/drawing/2014/main" id="{5E132223-43D3-FC66-96EA-94E4F0A5A19D}"/>
+              </a:ext>
+            </a:extLst>
+          </p:cNvPr>
+          <p:cNvSpPr/>
+          <p:nvPr/>
+        </p:nvSpPr>
+        <p:spPr>
+          <a:xfrm>
+            <a:off x="8760336" y="1221332"/>
+            <a:ext cx="2721885" cy="2257225"/>
+          </a:xfrm>
+          <a:prstGeom prst="wedgeRectCallout">
+            <a:avLst>
+              <a:gd name="adj1" fmla="val -2039"/>
+              <a:gd name="adj2" fmla="val -69854"/>
+            </a:avLst>
+          </a:prstGeom>
+          <a:noFill/>
+          <a:ln w="19050">
+            <a:solidFill>
+              <a:schemeClr val="accent2"/>
+            </a:solidFill>
+          </a:ln>
+        </p:spPr>
+        <p:style>
+          <a:lnRef idx="2">
+            <a:schemeClr val="accent1">
+              <a:shade val="50000"/>
+            </a:schemeClr>
+          </a:lnRef>
+          <a:fillRef idx="1">
+            <a:schemeClr val="accent1"/>
+          </a:fillRef>
+          <a:effectRef idx="0">
+            <a:schemeClr val="accent1"/>
+          </a:effectRef>
+          <a:fontRef idx="minor">
+            <a:schemeClr val="lt1"/>
+          </a:fontRef>
+        </p:style>
+        <p:txBody>
+          <a:bodyPr rtlCol="0" anchor="ctr"/>
+          <a:lstStyle/>
+          <a:p>
+            <a:pPr algn="ctr"/>
+            <a:endParaRPr lang="zh-CN" altLang="en-US"/>
+          </a:p>
+        </p:txBody>
+      </p:sp>
+      <p:sp>
+        <p:nvSpPr>
+          <p:cNvPr id="13" name="文本框 12">
+            <a:extLst>
+              <a:ext uri="{FF2B5EF4-FFF2-40B4-BE49-F238E27FC236}">
+                <a16:creationId xmlns:a16="http://schemas.microsoft.com/office/drawing/2014/main" id="{25CCF406-158B-8A59-DD52-90A2098814FD}"/>
+              </a:ext>
+            </a:extLst>
+          </p:cNvPr>
+          <p:cNvSpPr txBox="1"/>
+          <p:nvPr/>
+        </p:nvSpPr>
+        <p:spPr>
+          <a:xfrm>
+            <a:off x="10063728" y="461382"/>
+            <a:ext cx="1625245" cy="369332"/>
+          </a:xfrm>
+          <a:prstGeom prst="rect">
+            <a:avLst/>
+          </a:prstGeom>
+          <a:noFill/>
+        </p:spPr>
+        <p:txBody>
+          <a:bodyPr wrap="square" rtlCol="0">
+            <a:spAutoFit/>
+          </a:bodyPr>
+          <a:lstStyle/>
+          <a:p>
+            <a:pPr latinLnBrk="1"/>
+            <a:r>
+              <a:rPr lang="en-US" altLang="zh-CN" dirty="0">
+                <a:latin typeface="微软雅黑" panose="020B0503020204020204" pitchFamily="34" charset="-122"/>
+                <a:ea typeface="微软雅黑" panose="020B0503020204020204" pitchFamily="34" charset="-122"/>
+              </a:rPr>
+              <a:t>C:</a:t>
+            </a:r>
+            <a:r>
+              <a:rPr lang="zh-CN" altLang="en-US" dirty="0">
+                <a:latin typeface="微软雅黑" panose="020B0503020204020204" pitchFamily="34" charset="-122"/>
+                <a:ea typeface="微软雅黑" panose="020B0503020204020204" pitchFamily="34" charset="-122"/>
+              </a:rPr>
+              <a:t> </a:t>
+            </a:r>
+            <a:r>
+              <a:rPr lang="en-US" altLang="zh-CN" dirty="0">
+                <a:latin typeface="微软雅黑" panose="020B0503020204020204" pitchFamily="34" charset="-122"/>
+                <a:ea typeface="微软雅黑" panose="020B0503020204020204" pitchFamily="34" charset="-122"/>
+              </a:rPr>
+              <a:t>Ego state</a:t>
+            </a:r>
+            <a:endParaRPr lang="zh-CN" altLang="en-US" dirty="0">
+              <a:latin typeface="微软雅黑" panose="020B0503020204020204" pitchFamily="34" charset="-122"/>
+              <a:ea typeface="微软雅黑" panose="020B0503020204020204" pitchFamily="34" charset="-122"/>
+            </a:endParaRPr>
+          </a:p>
+        </p:txBody>
+      </p:sp>
+      <p:sp>
+        <p:nvSpPr>
+          <p:cNvPr id="14" name="对话气泡: 矩形 13">
+            <a:extLst>
+              <a:ext uri="{FF2B5EF4-FFF2-40B4-BE49-F238E27FC236}">
+                <a16:creationId xmlns:a16="http://schemas.microsoft.com/office/drawing/2014/main" id="{BB85A960-B54C-39BD-F028-32FC15EC7F3B}"/>
+              </a:ext>
+            </a:extLst>
+          </p:cNvPr>
+          <p:cNvSpPr/>
+          <p:nvPr/>
+        </p:nvSpPr>
+        <p:spPr>
+          <a:xfrm>
+            <a:off x="709779" y="4584789"/>
+            <a:ext cx="3280330" cy="1246909"/>
+          </a:xfrm>
+          <a:prstGeom prst="wedgeRectCallout">
+            <a:avLst>
+              <a:gd name="adj1" fmla="val 3534"/>
+              <a:gd name="adj2" fmla="val 93783"/>
+            </a:avLst>
+          </a:prstGeom>
+          <a:noFill/>
+          <a:ln w="19050">
+            <a:solidFill>
+              <a:schemeClr val="accent4"/>
+            </a:solidFill>
+          </a:ln>
+        </p:spPr>
+        <p:style>
+          <a:lnRef idx="2">
+            <a:schemeClr val="accent1">
+              <a:shade val="50000"/>
+            </a:schemeClr>
+          </a:lnRef>
+          <a:fillRef idx="1">
+            <a:schemeClr val="accent1"/>
+          </a:fillRef>
+          <a:effectRef idx="0">
+            <a:schemeClr val="accent1"/>
+          </a:effectRef>
+          <a:fontRef idx="minor">
+            <a:schemeClr val="lt1"/>
+          </a:fontRef>
+        </p:style>
+        <p:txBody>
+          <a:bodyPr rtlCol="0" anchor="ctr"/>
+          <a:lstStyle/>
+          <a:p>
+            <a:pPr algn="ctr"/>
+            <a:endParaRPr lang="zh-CN" altLang="en-US"/>
+          </a:p>
+        </p:txBody>
+      </p:sp>
+      <p:sp>
+        <p:nvSpPr>
+          <p:cNvPr id="15" name="文本框 14">
+            <a:extLst>
+              <a:ext uri="{FF2B5EF4-FFF2-40B4-BE49-F238E27FC236}">
+                <a16:creationId xmlns:a16="http://schemas.microsoft.com/office/drawing/2014/main" id="{C0A7A379-8473-FCED-8A82-EF15DEC602D1}"/>
+              </a:ext>
+            </a:extLst>
+          </p:cNvPr>
+          <p:cNvSpPr txBox="1"/>
+          <p:nvPr/>
+        </p:nvSpPr>
+        <p:spPr>
+          <a:xfrm>
+            <a:off x="643466" y="6324051"/>
+            <a:ext cx="3241156" cy="369332"/>
+          </a:xfrm>
+          <a:prstGeom prst="rect">
+            <a:avLst/>
+          </a:prstGeom>
+          <a:noFill/>
+        </p:spPr>
+        <p:txBody>
+          <a:bodyPr wrap="square" rtlCol="0">
+            <a:spAutoFit/>
+          </a:bodyPr>
+          <a:lstStyle/>
+          <a:p>
+            <a:r>
+              <a:rPr lang="en-US" altLang="zh-CN" dirty="0">
+                <a:latin typeface="微软雅黑" panose="020B0503020204020204" pitchFamily="34" charset="-122"/>
+                <a:ea typeface="微软雅黑" panose="020B0503020204020204" pitchFamily="34" charset="-122"/>
+              </a:rPr>
+              <a:t>D: Simulation information</a:t>
+            </a:r>
+            <a:endParaRPr lang="zh-CN" altLang="en-US" dirty="0">
+              <a:latin typeface="微软雅黑" panose="020B0503020204020204" pitchFamily="34" charset="-122"/>
+              <a:ea typeface="微软雅黑" panose="020B0503020204020204" pitchFamily="34" charset="-122"/>
+            </a:endParaRPr>
+          </a:p>
+        </p:txBody>
+      </p:sp>
+      <p:sp>
+        <p:nvSpPr>
+          <p:cNvPr id="16" name="对话气泡: 矩形 15">
+            <a:extLst>
+              <a:ext uri="{FF2B5EF4-FFF2-40B4-BE49-F238E27FC236}">
+                <a16:creationId xmlns:a16="http://schemas.microsoft.com/office/drawing/2014/main" id="{98B70382-DC32-6BC0-A059-4517BCF32941}"/>
+              </a:ext>
+            </a:extLst>
+          </p:cNvPr>
+          <p:cNvSpPr/>
+          <p:nvPr/>
+        </p:nvSpPr>
+        <p:spPr>
+          <a:xfrm>
+            <a:off x="8760336" y="3574473"/>
+            <a:ext cx="2721885" cy="2257225"/>
+          </a:xfrm>
+          <a:prstGeom prst="wedgeRectCallout">
+            <a:avLst>
+              <a:gd name="adj1" fmla="val -1334"/>
+              <a:gd name="adj2" fmla="val 73265"/>
+            </a:avLst>
+          </a:prstGeom>
+          <a:noFill/>
+          <a:ln w="19050">
+            <a:solidFill>
+              <a:srgbClr val="7030A0"/>
+            </a:solidFill>
+          </a:ln>
+        </p:spPr>
+        <p:style>
+          <a:lnRef idx="2">
+            <a:schemeClr val="accent1">
+              <a:shade val="50000"/>
+            </a:schemeClr>
+          </a:lnRef>
+          <a:fillRef idx="1">
+            <a:schemeClr val="accent1"/>
+          </a:fillRef>
+          <a:effectRef idx="0">
+            <a:schemeClr val="accent1"/>
+          </a:effectRef>
+          <a:fontRef idx="minor">
+            <a:schemeClr val="lt1"/>
+          </a:fontRef>
+        </p:style>
+        <p:txBody>
+          <a:bodyPr rtlCol="0" anchor="ctr"/>
+          <a:lstStyle/>
+          <a:p>
+            <a:pPr algn="ctr"/>
+            <a:endParaRPr lang="zh-CN" altLang="en-US"/>
+          </a:p>
+        </p:txBody>
+      </p:sp>
+      <p:sp>
+        <p:nvSpPr>
+          <p:cNvPr id="17" name="文本框 16">
+            <a:extLst>
+              <a:ext uri="{FF2B5EF4-FFF2-40B4-BE49-F238E27FC236}">
+                <a16:creationId xmlns:a16="http://schemas.microsoft.com/office/drawing/2014/main" id="{56909F17-2EA9-40E0-BD98-1DED0D9C5E26}"/>
+              </a:ext>
+            </a:extLst>
+          </p:cNvPr>
+          <p:cNvSpPr txBox="1"/>
+          <p:nvPr/>
+        </p:nvSpPr>
+        <p:spPr>
+          <a:xfrm>
+            <a:off x="9921421" y="6343681"/>
+            <a:ext cx="1625245" cy="369332"/>
+          </a:xfrm>
+          <a:prstGeom prst="rect">
+            <a:avLst/>
+          </a:prstGeom>
+          <a:noFill/>
+        </p:spPr>
+        <p:txBody>
+          <a:bodyPr wrap="square" rtlCol="0">
+            <a:spAutoFit/>
+          </a:bodyPr>
+          <a:lstStyle/>
+          <a:p>
+            <a:r>
+              <a:rPr lang="en-US" altLang="zh-CN" dirty="0">
+                <a:latin typeface="微软雅黑" panose="020B0503020204020204" pitchFamily="34" charset="-122"/>
+                <a:ea typeface="微软雅黑" panose="020B0503020204020204" pitchFamily="34" charset="-122"/>
+              </a:rPr>
+              <a:t>E: Evaluation</a:t>
+            </a:r>
+            <a:endParaRPr lang="zh-CN" altLang="en-US" dirty="0">
+              <a:latin typeface="微软雅黑" panose="020B0503020204020204" pitchFamily="34" charset="-122"/>
+              <a:ea typeface="微软雅黑" panose="020B0503020204020204" pitchFamily="34" charset="-122"/>
+            </a:endParaRPr>
+          </a:p>
+        </p:txBody>
+      </p:sp>
+    </p:spTree>
+    <p:extLst>
+      <p:ext uri="{BB962C8B-B14F-4D97-AF65-F5344CB8AC3E}">
+        <p14:creationId xmlns:p14="http://schemas.microsoft.com/office/powerpoint/2010/main" val="993260948"/>
+      </p:ext>
+    </p:extLst>
+  </p:cSld>
+  <p:clrMapOvr>
+    <a:masterClrMapping/>
+  </p:clrMapOvr>
+</p:sld>
+</file>
+
+<file path=ppt/slides/slide3.xml><?xml version="1.0" encoding="utf-8"?>
+<p:sld xmlns:a="http://schemas.openxmlformats.org/drawingml/2006/main" xmlns:r="http://schemas.openxmlformats.org/officeDocument/2006/relationships" xmlns:p="http://schemas.openxmlformats.org/presentationml/2006/main">
+  <p:cSld>
     <p:bg>
       <p:bgPr>
         <a:solidFill>
@@ -4537,6 +5113,662 @@
     <p:extLst>
       <p:ext uri="{BB962C8B-B14F-4D97-AF65-F5344CB8AC3E}">
         <p14:creationId xmlns:p14="http://schemas.microsoft.com/office/powerpoint/2010/main" val="3418705705"/>
+      </p:ext>
+    </p:extLst>
+  </p:cSld>
+  <p:clrMapOvr>
+    <a:masterClrMapping/>
+  </p:clrMapOvr>
+</p:sld>
+</file>
+
+<file path=ppt/slides/slide4.xml><?xml version="1.0" encoding="utf-8"?>
+<p:sld xmlns:a="http://schemas.openxmlformats.org/drawingml/2006/main" xmlns:r="http://schemas.openxmlformats.org/officeDocument/2006/relationships" xmlns:p="http://schemas.openxmlformats.org/presentationml/2006/main">
+  <p:cSld>
+    <p:spTree>
+      <p:nvGrpSpPr>
+        <p:cNvPr id="1" name=""/>
+        <p:cNvGrpSpPr/>
+        <p:nvPr/>
+      </p:nvGrpSpPr>
+      <p:grpSpPr>
+        <a:xfrm>
+          <a:off x="0" y="0"/>
+          <a:ext cx="0" cy="0"/>
+          <a:chOff x="0" y="0"/>
+          <a:chExt cx="0" cy="0"/>
+        </a:xfrm>
+      </p:grpSpPr>
+      <p:pic>
+        <p:nvPicPr>
+          <p:cNvPr id="4" name="图片 3">
+            <a:extLst>
+              <a:ext uri="{FF2B5EF4-FFF2-40B4-BE49-F238E27FC236}">
+                <a16:creationId xmlns:a16="http://schemas.microsoft.com/office/drawing/2014/main" id="{4CEBC637-D93B-BEDC-E9B7-62CDDE1CE45F}"/>
+              </a:ext>
+            </a:extLst>
+          </p:cNvPr>
+          <p:cNvPicPr>
+            <a:picLocks noChangeAspect="1"/>
+          </p:cNvPicPr>
+          <p:nvPr/>
+        </p:nvPicPr>
+        <p:blipFill>
+          <a:blip r:embed="rId2"/>
+          <a:stretch>
+            <a:fillRect/>
+          </a:stretch>
+        </p:blipFill>
+        <p:spPr>
+          <a:xfrm>
+            <a:off x="756231" y="649772"/>
+            <a:ext cx="10677443" cy="5561842"/>
+          </a:xfrm>
+          <a:prstGeom prst="rect">
+            <a:avLst/>
+          </a:prstGeom>
+        </p:spPr>
+      </p:pic>
+      <p:sp>
+        <p:nvSpPr>
+          <p:cNvPr id="6" name="对话气泡: 矩形 5">
+            <a:extLst>
+              <a:ext uri="{FF2B5EF4-FFF2-40B4-BE49-F238E27FC236}">
+                <a16:creationId xmlns:a16="http://schemas.microsoft.com/office/drawing/2014/main" id="{C1C48BBC-3299-709A-9BBC-5475AC249191}"/>
+              </a:ext>
+            </a:extLst>
+          </p:cNvPr>
+          <p:cNvSpPr/>
+          <p:nvPr/>
+        </p:nvSpPr>
+        <p:spPr>
+          <a:xfrm>
+            <a:off x="788276" y="889263"/>
+            <a:ext cx="10607040" cy="662152"/>
+          </a:xfrm>
+          <a:prstGeom prst="wedgeRectCallout">
+            <a:avLst>
+              <a:gd name="adj1" fmla="val -6025"/>
+              <a:gd name="adj2" fmla="val -105951"/>
+            </a:avLst>
+          </a:prstGeom>
+          <a:noFill/>
+          <a:ln w="19050">
+            <a:solidFill>
+              <a:srgbClr val="FF0000"/>
+            </a:solidFill>
+          </a:ln>
+        </p:spPr>
+        <p:style>
+          <a:lnRef idx="2">
+            <a:schemeClr val="accent1">
+              <a:shade val="50000"/>
+            </a:schemeClr>
+          </a:lnRef>
+          <a:fillRef idx="1">
+            <a:schemeClr val="accent1"/>
+          </a:fillRef>
+          <a:effectRef idx="0">
+            <a:schemeClr val="accent1"/>
+          </a:effectRef>
+          <a:fontRef idx="minor">
+            <a:schemeClr val="lt1"/>
+          </a:fontRef>
+        </p:style>
+        <p:txBody>
+          <a:bodyPr rtlCol="0" anchor="ctr"/>
+          <a:lstStyle/>
+          <a:p>
+            <a:pPr algn="ctr"/>
+            <a:endParaRPr lang="zh-CN" altLang="en-US"/>
+          </a:p>
+        </p:txBody>
+      </p:sp>
+      <p:sp>
+        <p:nvSpPr>
+          <p:cNvPr id="7" name="对话气泡: 矩形 6">
+            <a:extLst>
+              <a:ext uri="{FF2B5EF4-FFF2-40B4-BE49-F238E27FC236}">
+                <a16:creationId xmlns:a16="http://schemas.microsoft.com/office/drawing/2014/main" id="{6DC287C4-0B25-0BD3-9395-0AF5CA0DE72E}"/>
+              </a:ext>
+            </a:extLst>
+          </p:cNvPr>
+          <p:cNvSpPr/>
+          <p:nvPr/>
+        </p:nvSpPr>
+        <p:spPr>
+          <a:xfrm>
+            <a:off x="788276" y="1611391"/>
+            <a:ext cx="3233805" cy="3248357"/>
+          </a:xfrm>
+          <a:prstGeom prst="wedgeRectCallout">
+            <a:avLst>
+              <a:gd name="adj1" fmla="val -61073"/>
+              <a:gd name="adj2" fmla="val 992"/>
+            </a:avLst>
+          </a:prstGeom>
+          <a:noFill/>
+          <a:ln w="19050">
+            <a:solidFill>
+              <a:schemeClr val="accent6"/>
+            </a:solidFill>
+          </a:ln>
+        </p:spPr>
+        <p:style>
+          <a:lnRef idx="2">
+            <a:schemeClr val="accent1">
+              <a:shade val="50000"/>
+            </a:schemeClr>
+          </a:lnRef>
+          <a:fillRef idx="1">
+            <a:schemeClr val="accent1"/>
+          </a:fillRef>
+          <a:effectRef idx="0">
+            <a:schemeClr val="accent1"/>
+          </a:effectRef>
+          <a:fontRef idx="minor">
+            <a:schemeClr val="lt1"/>
+          </a:fontRef>
+        </p:style>
+        <p:txBody>
+          <a:bodyPr rtlCol="0" anchor="ctr"/>
+          <a:lstStyle/>
+          <a:p>
+            <a:pPr algn="ctr"/>
+            <a:endParaRPr lang="zh-CN" altLang="en-US"/>
+          </a:p>
+        </p:txBody>
+      </p:sp>
+      <p:sp>
+        <p:nvSpPr>
+          <p:cNvPr id="8" name="文本框 7">
+            <a:extLst>
+              <a:ext uri="{FF2B5EF4-FFF2-40B4-BE49-F238E27FC236}">
+                <a16:creationId xmlns:a16="http://schemas.microsoft.com/office/drawing/2014/main" id="{3CD5EF73-C3B8-BBF9-8E25-46ABF44EC094}"/>
+              </a:ext>
+            </a:extLst>
+          </p:cNvPr>
+          <p:cNvSpPr txBox="1"/>
+          <p:nvPr/>
+        </p:nvSpPr>
+        <p:spPr>
+          <a:xfrm>
+            <a:off x="338299" y="2910615"/>
+            <a:ext cx="360455" cy="369332"/>
+          </a:xfrm>
+          <a:prstGeom prst="rect">
+            <a:avLst/>
+          </a:prstGeom>
+          <a:noFill/>
+        </p:spPr>
+        <p:txBody>
+          <a:bodyPr wrap="square" rtlCol="0">
+            <a:spAutoFit/>
+          </a:bodyPr>
+          <a:lstStyle/>
+          <a:p>
+            <a:r>
+              <a:rPr lang="en-US" altLang="zh-CN" dirty="0">
+                <a:latin typeface="微软雅黑" panose="020B0503020204020204" pitchFamily="34" charset="-122"/>
+                <a:ea typeface="微软雅黑" panose="020B0503020204020204" pitchFamily="34" charset="-122"/>
+              </a:rPr>
+              <a:t>A</a:t>
+            </a:r>
+            <a:endParaRPr lang="zh-CN" altLang="en-US" dirty="0">
+              <a:latin typeface="微软雅黑" panose="020B0503020204020204" pitchFamily="34" charset="-122"/>
+              <a:ea typeface="微软雅黑" panose="020B0503020204020204" pitchFamily="34" charset="-122"/>
+            </a:endParaRPr>
+          </a:p>
+        </p:txBody>
+      </p:sp>
+      <p:sp>
+        <p:nvSpPr>
+          <p:cNvPr id="9" name="文本框 8">
+            <a:extLst>
+              <a:ext uri="{FF2B5EF4-FFF2-40B4-BE49-F238E27FC236}">
+                <a16:creationId xmlns:a16="http://schemas.microsoft.com/office/drawing/2014/main" id="{4BE9F551-4528-3762-AD27-532CAEEAA645}"/>
+              </a:ext>
+            </a:extLst>
+          </p:cNvPr>
+          <p:cNvSpPr txBox="1"/>
+          <p:nvPr/>
+        </p:nvSpPr>
+        <p:spPr>
+          <a:xfrm>
+            <a:off x="5425417" y="274134"/>
+            <a:ext cx="2627609" cy="369332"/>
+          </a:xfrm>
+          <a:prstGeom prst="rect">
+            <a:avLst/>
+          </a:prstGeom>
+          <a:noFill/>
+        </p:spPr>
+        <p:txBody>
+          <a:bodyPr wrap="square" rtlCol="0">
+            <a:spAutoFit/>
+          </a:bodyPr>
+          <a:lstStyle/>
+          <a:p>
+            <a:r>
+              <a:rPr lang="en-US" altLang="zh-CN" dirty="0">
+                <a:latin typeface="微软雅黑" panose="020B0503020204020204" pitchFamily="34" charset="-122"/>
+                <a:ea typeface="微软雅黑" panose="020B0503020204020204" pitchFamily="34" charset="-122"/>
+              </a:rPr>
+              <a:t>F</a:t>
+            </a:r>
+            <a:r>
+              <a:rPr lang="zh-CN" altLang="en-US" dirty="0">
+                <a:latin typeface="微软雅黑" panose="020B0503020204020204" pitchFamily="34" charset="-122"/>
+                <a:ea typeface="微软雅黑" panose="020B0503020204020204" pitchFamily="34" charset="-122"/>
+              </a:rPr>
+              <a:t>：</a:t>
+            </a:r>
+            <a:r>
+              <a:rPr lang="en-US" altLang="zh-CN" dirty="0">
+                <a:latin typeface="微软雅黑" panose="020B0503020204020204" pitchFamily="34" charset="-122"/>
+                <a:ea typeface="微软雅黑" panose="020B0503020204020204" pitchFamily="34" charset="-122"/>
+              </a:rPr>
+              <a:t>Control panel</a:t>
+            </a:r>
+            <a:endParaRPr lang="zh-CN" altLang="en-US" dirty="0">
+              <a:latin typeface="微软雅黑" panose="020B0503020204020204" pitchFamily="34" charset="-122"/>
+              <a:ea typeface="微软雅黑" panose="020B0503020204020204" pitchFamily="34" charset="-122"/>
+            </a:endParaRPr>
+          </a:p>
+        </p:txBody>
+      </p:sp>
+      <p:sp>
+        <p:nvSpPr>
+          <p:cNvPr id="11" name="对话气泡: 矩形 10">
+            <a:extLst>
+              <a:ext uri="{FF2B5EF4-FFF2-40B4-BE49-F238E27FC236}">
+                <a16:creationId xmlns:a16="http://schemas.microsoft.com/office/drawing/2014/main" id="{C606FE05-8C0E-8723-B4A6-C1B34153FDAE}"/>
+              </a:ext>
+            </a:extLst>
+          </p:cNvPr>
+          <p:cNvSpPr/>
+          <p:nvPr/>
+        </p:nvSpPr>
+        <p:spPr>
+          <a:xfrm>
+            <a:off x="8702786" y="1625749"/>
+            <a:ext cx="2692530" cy="2223684"/>
+          </a:xfrm>
+          <a:prstGeom prst="wedgeRectCallout">
+            <a:avLst>
+              <a:gd name="adj1" fmla="val 64220"/>
+              <a:gd name="adj2" fmla="val 886"/>
+            </a:avLst>
+          </a:prstGeom>
+          <a:noFill/>
+          <a:ln w="19050">
+            <a:solidFill>
+              <a:schemeClr val="accent2"/>
+            </a:solidFill>
+          </a:ln>
+        </p:spPr>
+        <p:style>
+          <a:lnRef idx="2">
+            <a:schemeClr val="accent1">
+              <a:shade val="50000"/>
+            </a:schemeClr>
+          </a:lnRef>
+          <a:fillRef idx="1">
+            <a:schemeClr val="accent1"/>
+          </a:fillRef>
+          <a:effectRef idx="0">
+            <a:schemeClr val="accent1"/>
+          </a:effectRef>
+          <a:fontRef idx="minor">
+            <a:schemeClr val="lt1"/>
+          </a:fontRef>
+        </p:style>
+        <p:txBody>
+          <a:bodyPr rtlCol="0" anchor="ctr"/>
+          <a:lstStyle/>
+          <a:p>
+            <a:pPr algn="ctr"/>
+            <a:endParaRPr lang="zh-CN" altLang="en-US"/>
+          </a:p>
+        </p:txBody>
+      </p:sp>
+      <p:sp>
+        <p:nvSpPr>
+          <p:cNvPr id="13" name="文本框 12">
+            <a:extLst>
+              <a:ext uri="{FF2B5EF4-FFF2-40B4-BE49-F238E27FC236}">
+                <a16:creationId xmlns:a16="http://schemas.microsoft.com/office/drawing/2014/main" id="{CBB5E18B-5F47-23EA-EC39-DA4978EA175C}"/>
+              </a:ext>
+            </a:extLst>
+          </p:cNvPr>
+          <p:cNvSpPr txBox="1"/>
+          <p:nvPr/>
+        </p:nvSpPr>
+        <p:spPr>
+          <a:xfrm>
+            <a:off x="11514153" y="2412586"/>
+            <a:ext cx="360455" cy="369332"/>
+          </a:xfrm>
+          <a:prstGeom prst="rect">
+            <a:avLst/>
+          </a:prstGeom>
+          <a:noFill/>
+        </p:spPr>
+        <p:txBody>
+          <a:bodyPr wrap="square" rtlCol="0">
+            <a:spAutoFit/>
+          </a:bodyPr>
+          <a:lstStyle/>
+          <a:p>
+            <a:r>
+              <a:rPr lang="en-US" altLang="zh-CN" dirty="0">
+                <a:latin typeface="微软雅黑" panose="020B0503020204020204" pitchFamily="34" charset="-122"/>
+                <a:ea typeface="微软雅黑" panose="020B0503020204020204" pitchFamily="34" charset="-122"/>
+              </a:rPr>
+              <a:t>C</a:t>
+            </a:r>
+            <a:endParaRPr lang="zh-CN" altLang="en-US" dirty="0">
+              <a:latin typeface="微软雅黑" panose="020B0503020204020204" pitchFamily="34" charset="-122"/>
+              <a:ea typeface="微软雅黑" panose="020B0503020204020204" pitchFamily="34" charset="-122"/>
+            </a:endParaRPr>
+          </a:p>
+        </p:txBody>
+      </p:sp>
+      <p:sp>
+        <p:nvSpPr>
+          <p:cNvPr id="15" name="对话气泡: 矩形 14">
+            <a:extLst>
+              <a:ext uri="{FF2B5EF4-FFF2-40B4-BE49-F238E27FC236}">
+                <a16:creationId xmlns:a16="http://schemas.microsoft.com/office/drawing/2014/main" id="{9F5F076F-8B00-2FAC-DE59-330B5EDA3264}"/>
+              </a:ext>
+            </a:extLst>
+          </p:cNvPr>
+          <p:cNvSpPr/>
+          <p:nvPr/>
+        </p:nvSpPr>
+        <p:spPr>
+          <a:xfrm>
+            <a:off x="788276" y="4930087"/>
+            <a:ext cx="3233805" cy="1208542"/>
+          </a:xfrm>
+          <a:prstGeom prst="wedgeRectCallout">
+            <a:avLst>
+              <a:gd name="adj1" fmla="val 3526"/>
+              <a:gd name="adj2" fmla="val 84386"/>
+            </a:avLst>
+          </a:prstGeom>
+          <a:noFill/>
+          <a:ln w="19050">
+            <a:solidFill>
+              <a:schemeClr val="accent4"/>
+            </a:solidFill>
+          </a:ln>
+        </p:spPr>
+        <p:style>
+          <a:lnRef idx="2">
+            <a:schemeClr val="accent1">
+              <a:shade val="50000"/>
+            </a:schemeClr>
+          </a:lnRef>
+          <a:fillRef idx="1">
+            <a:schemeClr val="accent1"/>
+          </a:fillRef>
+          <a:effectRef idx="0">
+            <a:schemeClr val="accent1"/>
+          </a:effectRef>
+          <a:fontRef idx="minor">
+            <a:schemeClr val="lt1"/>
+          </a:fontRef>
+        </p:style>
+        <p:txBody>
+          <a:bodyPr rtlCol="0" anchor="ctr"/>
+          <a:lstStyle/>
+          <a:p>
+            <a:pPr algn="ctr"/>
+            <a:endParaRPr lang="zh-CN" altLang="en-US"/>
+          </a:p>
+        </p:txBody>
+      </p:sp>
+      <p:sp>
+        <p:nvSpPr>
+          <p:cNvPr id="17" name="文本框 16">
+            <a:extLst>
+              <a:ext uri="{FF2B5EF4-FFF2-40B4-BE49-F238E27FC236}">
+                <a16:creationId xmlns:a16="http://schemas.microsoft.com/office/drawing/2014/main" id="{113F72D7-0945-3C40-5E1D-2A43644C4B6E}"/>
+              </a:ext>
+            </a:extLst>
+          </p:cNvPr>
+          <p:cNvSpPr txBox="1"/>
+          <p:nvPr/>
+        </p:nvSpPr>
+        <p:spPr>
+          <a:xfrm>
+            <a:off x="2202342" y="6310581"/>
+            <a:ext cx="360455" cy="369332"/>
+          </a:xfrm>
+          <a:prstGeom prst="rect">
+            <a:avLst/>
+          </a:prstGeom>
+          <a:noFill/>
+        </p:spPr>
+        <p:txBody>
+          <a:bodyPr wrap="square" rtlCol="0">
+            <a:spAutoFit/>
+          </a:bodyPr>
+          <a:lstStyle/>
+          <a:p>
+            <a:r>
+              <a:rPr lang="en-US" altLang="zh-CN" dirty="0">
+                <a:latin typeface="微软雅黑" panose="020B0503020204020204" pitchFamily="34" charset="-122"/>
+                <a:ea typeface="微软雅黑" panose="020B0503020204020204" pitchFamily="34" charset="-122"/>
+              </a:rPr>
+              <a:t>D</a:t>
+            </a:r>
+            <a:endParaRPr lang="zh-CN" altLang="en-US" dirty="0">
+              <a:latin typeface="微软雅黑" panose="020B0503020204020204" pitchFamily="34" charset="-122"/>
+              <a:ea typeface="微软雅黑" panose="020B0503020204020204" pitchFamily="34" charset="-122"/>
+            </a:endParaRPr>
+          </a:p>
+        </p:txBody>
+      </p:sp>
+      <p:sp>
+        <p:nvSpPr>
+          <p:cNvPr id="19" name="对话气泡: 矩形 18">
+            <a:extLst>
+              <a:ext uri="{FF2B5EF4-FFF2-40B4-BE49-F238E27FC236}">
+                <a16:creationId xmlns:a16="http://schemas.microsoft.com/office/drawing/2014/main" id="{BA8C3E71-0596-4B02-4ECC-E748A2403FEC}"/>
+              </a:ext>
+            </a:extLst>
+          </p:cNvPr>
+          <p:cNvSpPr/>
+          <p:nvPr/>
+        </p:nvSpPr>
+        <p:spPr>
+          <a:xfrm>
+            <a:off x="8702786" y="3923767"/>
+            <a:ext cx="2692530" cy="2223685"/>
+          </a:xfrm>
+          <a:prstGeom prst="wedgeRectCallout">
+            <a:avLst>
+              <a:gd name="adj1" fmla="val -1571"/>
+              <a:gd name="adj2" fmla="val 68376"/>
+            </a:avLst>
+          </a:prstGeom>
+          <a:noFill/>
+          <a:ln w="19050">
+            <a:solidFill>
+              <a:srgbClr val="7030A0"/>
+            </a:solidFill>
+          </a:ln>
+        </p:spPr>
+        <p:style>
+          <a:lnRef idx="2">
+            <a:schemeClr val="accent1">
+              <a:shade val="50000"/>
+            </a:schemeClr>
+          </a:lnRef>
+          <a:fillRef idx="1">
+            <a:schemeClr val="accent1"/>
+          </a:fillRef>
+          <a:effectRef idx="0">
+            <a:schemeClr val="accent1"/>
+          </a:effectRef>
+          <a:fontRef idx="minor">
+            <a:schemeClr val="lt1"/>
+          </a:fontRef>
+        </p:style>
+        <p:txBody>
+          <a:bodyPr rtlCol="0" anchor="ctr"/>
+          <a:lstStyle/>
+          <a:p>
+            <a:pPr algn="ctr"/>
+            <a:endParaRPr lang="zh-CN" altLang="en-US"/>
+          </a:p>
+        </p:txBody>
+      </p:sp>
+      <p:sp>
+        <p:nvSpPr>
+          <p:cNvPr id="21" name="文本框 20">
+            <a:extLst>
+              <a:ext uri="{FF2B5EF4-FFF2-40B4-BE49-F238E27FC236}">
+                <a16:creationId xmlns:a16="http://schemas.microsoft.com/office/drawing/2014/main" id="{6276FFA8-CF46-62FF-64F1-532696FE9FDB}"/>
+              </a:ext>
+            </a:extLst>
+          </p:cNvPr>
+          <p:cNvSpPr txBox="1"/>
+          <p:nvPr/>
+        </p:nvSpPr>
+        <p:spPr>
+          <a:xfrm>
+            <a:off x="9966273" y="6310581"/>
+            <a:ext cx="360455" cy="369332"/>
+          </a:xfrm>
+          <a:prstGeom prst="rect">
+            <a:avLst/>
+          </a:prstGeom>
+          <a:noFill/>
+        </p:spPr>
+        <p:txBody>
+          <a:bodyPr wrap="square" rtlCol="0">
+            <a:spAutoFit/>
+          </a:bodyPr>
+          <a:lstStyle/>
+          <a:p>
+            <a:r>
+              <a:rPr lang="en-US" altLang="zh-CN" dirty="0">
+                <a:latin typeface="微软雅黑" panose="020B0503020204020204" pitchFamily="34" charset="-122"/>
+                <a:ea typeface="微软雅黑" panose="020B0503020204020204" pitchFamily="34" charset="-122"/>
+              </a:rPr>
+              <a:t>E</a:t>
+            </a:r>
+            <a:endParaRPr lang="zh-CN" altLang="en-US" dirty="0">
+              <a:latin typeface="微软雅黑" panose="020B0503020204020204" pitchFamily="34" charset="-122"/>
+              <a:ea typeface="微软雅黑" panose="020B0503020204020204" pitchFamily="34" charset="-122"/>
+            </a:endParaRPr>
+          </a:p>
+        </p:txBody>
+      </p:sp>
+      <p:sp>
+        <p:nvSpPr>
+          <p:cNvPr id="23" name="对话气泡: 矩形 22">
+            <a:extLst>
+              <a:ext uri="{FF2B5EF4-FFF2-40B4-BE49-F238E27FC236}">
+                <a16:creationId xmlns:a16="http://schemas.microsoft.com/office/drawing/2014/main" id="{D00B940A-CCDC-8C27-33DE-85AB64830264}"/>
+              </a:ext>
+            </a:extLst>
+          </p:cNvPr>
+          <p:cNvSpPr/>
+          <p:nvPr/>
+        </p:nvSpPr>
+        <p:spPr>
+          <a:xfrm>
+            <a:off x="4111603" y="1618584"/>
+            <a:ext cx="4533705" cy="4528868"/>
+          </a:xfrm>
+          <a:prstGeom prst="wedgeRectCallout">
+            <a:avLst>
+              <a:gd name="adj1" fmla="val -2473"/>
+              <a:gd name="adj2" fmla="val 59398"/>
+            </a:avLst>
+          </a:prstGeom>
+          <a:noFill/>
+          <a:ln w="19050">
+            <a:solidFill>
+              <a:schemeClr val="accent1"/>
+            </a:solidFill>
+          </a:ln>
+        </p:spPr>
+        <p:style>
+          <a:lnRef idx="2">
+            <a:schemeClr val="accent1">
+              <a:shade val="50000"/>
+            </a:schemeClr>
+          </a:lnRef>
+          <a:fillRef idx="1">
+            <a:schemeClr val="accent1"/>
+          </a:fillRef>
+          <a:effectRef idx="0">
+            <a:schemeClr val="accent1"/>
+          </a:effectRef>
+          <a:fontRef idx="minor">
+            <a:schemeClr val="lt1"/>
+          </a:fontRef>
+        </p:style>
+        <p:txBody>
+          <a:bodyPr rtlCol="0" anchor="ctr"/>
+          <a:lstStyle/>
+          <a:p>
+            <a:pPr algn="ctr"/>
+            <a:endParaRPr lang="zh-CN" altLang="en-US"/>
+          </a:p>
+        </p:txBody>
+      </p:sp>
+      <p:sp>
+        <p:nvSpPr>
+          <p:cNvPr id="24" name="文本框 23">
+            <a:extLst>
+              <a:ext uri="{FF2B5EF4-FFF2-40B4-BE49-F238E27FC236}">
+                <a16:creationId xmlns:a16="http://schemas.microsoft.com/office/drawing/2014/main" id="{5F2B8429-3C79-0099-A7B6-FDED75D90F5A}"/>
+              </a:ext>
+            </a:extLst>
+          </p:cNvPr>
+          <p:cNvSpPr txBox="1"/>
+          <p:nvPr/>
+        </p:nvSpPr>
+        <p:spPr>
+          <a:xfrm>
+            <a:off x="6245617" y="6310581"/>
+            <a:ext cx="360455" cy="369332"/>
+          </a:xfrm>
+          <a:prstGeom prst="rect">
+            <a:avLst/>
+          </a:prstGeom>
+          <a:noFill/>
+        </p:spPr>
+        <p:txBody>
+          <a:bodyPr wrap="square" rtlCol="0">
+            <a:spAutoFit/>
+          </a:bodyPr>
+          <a:lstStyle/>
+          <a:p>
+            <a:r>
+              <a:rPr lang="en-US" altLang="zh-CN" dirty="0">
+                <a:latin typeface="微软雅黑" panose="020B0503020204020204" pitchFamily="34" charset="-122"/>
+                <a:ea typeface="微软雅黑" panose="020B0503020204020204" pitchFamily="34" charset="-122"/>
+              </a:rPr>
+              <a:t>B</a:t>
+            </a:r>
+            <a:endParaRPr lang="zh-CN" altLang="en-US" dirty="0">
+              <a:latin typeface="微软雅黑" panose="020B0503020204020204" pitchFamily="34" charset="-122"/>
+              <a:ea typeface="微软雅黑" panose="020B0503020204020204" pitchFamily="34" charset="-122"/>
+            </a:endParaRPr>
+          </a:p>
+        </p:txBody>
+      </p:sp>
+    </p:spTree>
+    <p:extLst>
+      <p:ext uri="{BB962C8B-B14F-4D97-AF65-F5344CB8AC3E}">
+        <p14:creationId xmlns:p14="http://schemas.microsoft.com/office/powerpoint/2010/main" val="943872490"/>
       </p:ext>
     </p:extLst>
   </p:cSld>
